--- a/Seccion 3 Distribución multivariante/Diapositivas/3.9 Cópulas.pptx
+++ b/Seccion 3 Distribución multivariante/Diapositivas/3.9 Cópulas.pptx
@@ -867,7 +867,7 @@
             <a:fld id="{B61BEF0D-F0BB-DE4B-95CE-6DB70DBA9567}" type="datetimeFigureOut">
               <a:rPr lang="en-US" smtClean="0"/>
               <a:pPr/>
-              <a:t>12/20/2019</a:t>
+              <a:t>3/30/2020</a:t>
             </a:fld>
             <a:endParaRPr lang="en-US" dirty="0"/>
           </a:p>
@@ -1120,7 +1120,7 @@
             <a:fld id="{B61BEF0D-F0BB-DE4B-95CE-6DB70DBA9567}" type="datetimeFigureOut">
               <a:rPr lang="en-US" smtClean="0"/>
               <a:pPr/>
-              <a:t>12/20/2019</a:t>
+              <a:t>3/30/2020</a:t>
             </a:fld>
             <a:endParaRPr lang="en-US" dirty="0"/>
           </a:p>
@@ -1436,7 +1436,7 @@
             <a:fld id="{B61BEF0D-F0BB-DE4B-95CE-6DB70DBA9567}" type="datetimeFigureOut">
               <a:rPr lang="en-US" smtClean="0"/>
               <a:pPr/>
-              <a:t>12/20/2019</a:t>
+              <a:t>3/30/2020</a:t>
             </a:fld>
             <a:endParaRPr lang="en-US" dirty="0"/>
           </a:p>
@@ -1771,7 +1771,7 @@
             <a:fld id="{B61BEF0D-F0BB-DE4B-95CE-6DB70DBA9567}" type="datetimeFigureOut">
               <a:rPr lang="en-US" smtClean="0"/>
               <a:pPr/>
-              <a:t>12/20/2019</a:t>
+              <a:t>3/30/2020</a:t>
             </a:fld>
             <a:endParaRPr lang="en-US" dirty="0"/>
           </a:p>
@@ -2087,7 +2087,7 @@
             <a:fld id="{B61BEF0D-F0BB-DE4B-95CE-6DB70DBA9567}" type="datetimeFigureOut">
               <a:rPr lang="en-US" smtClean="0"/>
               <a:pPr/>
-              <a:t>12/20/2019</a:t>
+              <a:t>3/30/2020</a:t>
             </a:fld>
             <a:endParaRPr lang="en-US" dirty="0"/>
           </a:p>
@@ -2482,7 +2482,7 @@
             <a:fld id="{B61BEF0D-F0BB-DE4B-95CE-6DB70DBA9567}" type="datetimeFigureOut">
               <a:rPr lang="en-US" smtClean="0"/>
               <a:pPr/>
-              <a:t>12/20/2019</a:t>
+              <a:t>3/30/2020</a:t>
             </a:fld>
             <a:endParaRPr lang="en-US" dirty="0"/>
           </a:p>
@@ -2653,7 +2653,7 @@
           <a:p>
             <a:fld id="{55C6B4A9-1611-4792-9094-5F34BCA07E0B}" type="datetimeFigureOut">
               <a:rPr lang="en-US" smtClean="0"/>
-              <a:t>12/20/2019</a:t>
+              <a:t>3/30/2020</a:t>
             </a:fld>
             <a:endParaRPr lang="en-US" dirty="0"/>
           </a:p>
@@ -2834,7 +2834,7 @@
             <a:fld id="{B61BEF0D-F0BB-DE4B-95CE-6DB70DBA9567}" type="datetimeFigureOut">
               <a:rPr lang="en-US" smtClean="0"/>
               <a:pPr/>
-              <a:t>12/20/2019</a:t>
+              <a:t>3/30/2020</a:t>
             </a:fld>
             <a:endParaRPr lang="en-US" dirty="0"/>
           </a:p>
@@ -3044,7 +3044,7 @@
             <a:fld id="{B61BEF0D-F0BB-DE4B-95CE-6DB70DBA9567}" type="datetimeFigureOut">
               <a:rPr lang="en-US" smtClean="0"/>
               <a:pPr/>
-              <a:t>12/20/2019</a:t>
+              <a:t>3/30/2020</a:t>
             </a:fld>
             <a:endParaRPr lang="en-US" dirty="0"/>
           </a:p>
@@ -3244,7 +3244,7 @@
             <a:fld id="{B61BEF0D-F0BB-DE4B-95CE-6DB70DBA9567}" type="datetimeFigureOut">
               <a:rPr lang="en-US" smtClean="0"/>
               <a:pPr/>
-              <a:t>12/20/2019</a:t>
+              <a:t>3/30/2020</a:t>
             </a:fld>
             <a:endParaRPr lang="en-US" dirty="0"/>
           </a:p>
@@ -3521,7 +3521,7 @@
             <a:fld id="{B61BEF0D-F0BB-DE4B-95CE-6DB70DBA9567}" type="datetimeFigureOut">
               <a:rPr lang="en-US" smtClean="0"/>
               <a:pPr/>
-              <a:t>12/20/2019</a:t>
+              <a:t>3/30/2020</a:t>
             </a:fld>
             <a:endParaRPr lang="en-US" dirty="0"/>
           </a:p>
@@ -3705,7 +3705,7 @@
             <a:fld id="{B61BEF0D-F0BB-DE4B-95CE-6DB70DBA9567}" type="datetimeFigureOut">
               <a:rPr lang="en-US" smtClean="0"/>
               <a:pPr/>
-              <a:t>12/20/2019</a:t>
+              <a:t>3/30/2020</a:t>
             </a:fld>
             <a:endParaRPr lang="en-US" dirty="0"/>
           </a:p>
@@ -3959,7 +3959,7 @@
           <a:p>
             <a:fld id="{EB712588-04B1-427B-82EE-E8DB90309F08}" type="datetimeFigureOut">
               <a:rPr lang="en-US" smtClean="0"/>
-              <a:t>12/20/2019</a:t>
+              <a:t>3/30/2020</a:t>
             </a:fld>
             <a:endParaRPr lang="en-US" dirty="0"/>
           </a:p>
@@ -4372,7 +4372,7 @@
             <a:fld id="{B61BEF0D-F0BB-DE4B-95CE-6DB70DBA9567}" type="datetimeFigureOut">
               <a:rPr lang="en-US" smtClean="0"/>
               <a:pPr/>
-              <a:t>12/20/2019</a:t>
+              <a:t>3/30/2020</a:t>
             </a:fld>
             <a:endParaRPr lang="en-US" dirty="0"/>
           </a:p>
@@ -4515,7 +4515,7 @@
             <a:fld id="{B61BEF0D-F0BB-DE4B-95CE-6DB70DBA9567}" type="datetimeFigureOut">
               <a:rPr lang="en-US" smtClean="0"/>
               <a:pPr/>
-              <a:t>12/20/2019</a:t>
+              <a:t>3/30/2020</a:t>
             </a:fld>
             <a:endParaRPr lang="en-US" dirty="0"/>
           </a:p>
@@ -4630,7 +4630,7 @@
             <a:fld id="{B61BEF0D-F0BB-DE4B-95CE-6DB70DBA9567}" type="datetimeFigureOut">
               <a:rPr lang="en-US" smtClean="0"/>
               <a:pPr/>
-              <a:t>12/20/2019</a:t>
+              <a:t>3/30/2020</a:t>
             </a:fld>
             <a:endParaRPr lang="en-US" dirty="0"/>
           </a:p>
@@ -4942,7 +4942,7 @@
           <a:p>
             <a:fld id="{42A54C80-263E-416B-A8E0-580EDEADCBDC}" type="datetimeFigureOut">
               <a:rPr lang="en-US" smtClean="0"/>
-              <a:t>12/20/2019</a:t>
+              <a:t>3/30/2020</a:t>
             </a:fld>
             <a:endParaRPr lang="en-US" dirty="0"/>
           </a:p>
@@ -5231,7 +5231,7 @@
             <a:fld id="{B61BEF0D-F0BB-DE4B-95CE-6DB70DBA9567}" type="datetimeFigureOut">
               <a:rPr lang="en-US" smtClean="0"/>
               <a:pPr/>
-              <a:t>12/20/2019</a:t>
+              <a:t>3/30/2020</a:t>
             </a:fld>
             <a:endParaRPr lang="en-US" dirty="0"/>
           </a:p>
@@ -5430,7 +5430,7 @@
           <a:p>
             <a:fld id="{55C6B4A9-1611-4792-9094-5F34BCA07E0B}" type="datetimeFigureOut">
               <a:rPr lang="en-US" smtClean="0"/>
-              <a:t>12/20/2019</a:t>
+              <a:t>3/30/2020</a:t>
             </a:fld>
             <a:endParaRPr lang="en-US" dirty="0"/>
           </a:p>
@@ -5639,7 +5639,7 @@
             <a:fld id="{B61BEF0D-F0BB-DE4B-95CE-6DB70DBA9567}" type="datetimeFigureOut">
               <a:rPr lang="en-US" smtClean="0"/>
               <a:pPr/>
-              <a:t>12/20/2019</a:t>
+              <a:t>3/30/2020</a:t>
             </a:fld>
             <a:endParaRPr lang="en-US" dirty="0"/>
           </a:p>
@@ -5900,7 +5900,7 @@
             <a:fld id="{B61BEF0D-F0BB-DE4B-95CE-6DB70DBA9567}" type="datetimeFigureOut">
               <a:rPr lang="en-US" smtClean="0"/>
               <a:pPr/>
-              <a:t>12/20/2019</a:t>
+              <a:t>3/30/2020</a:t>
             </a:fld>
             <a:endParaRPr lang="en-US" dirty="0"/>
           </a:p>
@@ -6133,7 +6133,7 @@
           <a:p>
             <a:fld id="{EB712588-04B1-427B-82EE-E8DB90309F08}" type="datetimeFigureOut">
               <a:rPr lang="en-US" smtClean="0"/>
-              <a:t>12/20/2019</a:t>
+              <a:t>3/30/2020</a:t>
             </a:fld>
             <a:endParaRPr lang="en-US" dirty="0"/>
           </a:p>
@@ -6508,7 +6508,7 @@
             <a:fld id="{B61BEF0D-F0BB-DE4B-95CE-6DB70DBA9567}" type="datetimeFigureOut">
               <a:rPr lang="en-US" smtClean="0"/>
               <a:pPr/>
-              <a:t>12/20/2019</a:t>
+              <a:t>3/30/2020</a:t>
             </a:fld>
             <a:endParaRPr lang="en-US" dirty="0"/>
           </a:p>
@@ -6633,7 +6633,7 @@
             <a:fld id="{B61BEF0D-F0BB-DE4B-95CE-6DB70DBA9567}" type="datetimeFigureOut">
               <a:rPr lang="en-US" smtClean="0"/>
               <a:pPr/>
-              <a:t>12/20/2019</a:t>
+              <a:t>3/30/2020</a:t>
             </a:fld>
             <a:endParaRPr lang="en-US" dirty="0"/>
           </a:p>
@@ -6730,7 +6730,7 @@
             <a:fld id="{B61BEF0D-F0BB-DE4B-95CE-6DB70DBA9567}" type="datetimeFigureOut">
               <a:rPr lang="en-US" smtClean="0"/>
               <a:pPr/>
-              <a:t>12/20/2019</a:t>
+              <a:t>3/30/2020</a:t>
             </a:fld>
             <a:endParaRPr lang="en-US" dirty="0"/>
           </a:p>
@@ -6986,7 +6986,7 @@
           <a:p>
             <a:fld id="{42A54C80-263E-416B-A8E0-580EDEADCBDC}" type="datetimeFigureOut">
               <a:rPr lang="en-US" smtClean="0"/>
-              <a:t>12/20/2019</a:t>
+              <a:t>3/30/2020</a:t>
             </a:fld>
             <a:endParaRPr lang="en-US" dirty="0"/>
           </a:p>
@@ -7293,7 +7293,7 @@
             <a:fld id="{B61BEF0D-F0BB-DE4B-95CE-6DB70DBA9567}" type="datetimeFigureOut">
               <a:rPr lang="en-US" smtClean="0"/>
               <a:pPr/>
-              <a:t>12/20/2019</a:t>
+              <a:t>3/30/2020</a:t>
             </a:fld>
             <a:endParaRPr lang="en-US" dirty="0"/>
           </a:p>
@@ -7999,7 +7999,7 @@
             <a:fld id="{B61BEF0D-F0BB-DE4B-95CE-6DB70DBA9567}" type="datetimeFigureOut">
               <a:rPr lang="en-US" smtClean="0"/>
               <a:pPr/>
-              <a:t>12/20/2019</a:t>
+              <a:t>3/30/2020</a:t>
             </a:fld>
             <a:endParaRPr lang="en-US" dirty="0"/>
           </a:p>
@@ -8676,7 +8676,7 @@
             <a:fld id="{B61BEF0D-F0BB-DE4B-95CE-6DB70DBA9567}" type="datetimeFigureOut">
               <a:rPr lang="en-US" smtClean="0"/>
               <a:pPr/>
-              <a:t>12/20/2019</a:t>
+              <a:t>3/30/2020</a:t>
             </a:fld>
             <a:endParaRPr lang="en-US" dirty="0"/>
           </a:p>
@@ -11897,8 +11897,8 @@
           <a:chExt cx="0" cy="0"/>
         </a:xfrm>
       </p:grpSpPr>
-      <mc:AlternateContent xmlns:mc="http://schemas.openxmlformats.org/markup-compatibility/2006" xmlns:a14="http://schemas.microsoft.com/office/drawing/2010/main">
-        <mc:Choice Requires="a14">
+      <mc:AlternateContent xmlns:mc="http://schemas.openxmlformats.org/markup-compatibility/2006">
+        <mc:Choice xmlns:a14="http://schemas.microsoft.com/office/drawing/2010/main" Requires="a14">
           <p:sp>
             <p:nvSpPr>
               <p:cNvPr id="5" name="Marcador de contenido 2"/>
@@ -12401,7 +12401,7 @@
                       <m:rPr>
                         <m:sty m:val="p"/>
                       </m:rPr>
-                      <a:rPr lang="es-ES" b="0" i="0" smtClean="0">
+                      <a:rPr lang="es-ES">
                         <a:solidFill>
                           <a:schemeClr val="bg1"/>
                         </a:solidFill>
@@ -12410,7 +12410,28 @@
                       <m:t>u</m:t>
                     </m:r>
                     <m:r>
-                      <a:rPr lang="es-ES" b="0" i="1" smtClean="0">
+                      <a:rPr lang="es-ES">
+                        <a:solidFill>
+                          <a:schemeClr val="bg1"/>
+                        </a:solidFill>
+                        <a:latin typeface="Cambria Math" panose="02040503050406030204" pitchFamily="18" charset="0"/>
+                      </a:rPr>
+                      <m:t>,</m:t>
+                    </m:r>
+                    <m:r>
+                      <m:rPr>
+                        <m:sty m:val="p"/>
+                      </m:rPr>
+                      <a:rPr lang="es-ES">
+                        <a:solidFill>
+                          <a:schemeClr val="bg1"/>
+                        </a:solidFill>
+                        <a:latin typeface="Cambria Math" panose="02040503050406030204" pitchFamily="18" charset="0"/>
+                      </a:rPr>
+                      <m:t>v</m:t>
+                    </m:r>
+                    <m:r>
+                      <a:rPr lang="es-ES" i="1">
                         <a:solidFill>
                           <a:schemeClr val="bg1"/>
                         </a:solidFill>
@@ -12444,7 +12465,7 @@
                       </m:e>
                     </m:d>
                     <m:r>
-                      <a:rPr lang="es-ES" b="0" i="1" smtClean="0">
+                      <a:rPr lang="es-ES" i="1">
                         <a:solidFill>
                           <a:schemeClr val="bg1"/>
                         </a:solidFill>
@@ -12453,7 +12474,7 @@
                       <m:t>:</m:t>
                     </m:r>
                     <m:r>
-                      <a:rPr lang="es-ES" b="0" i="1" smtClean="0">
+                      <a:rPr lang="es-ES" i="1">
                         <a:solidFill>
                           <a:schemeClr val="bg1"/>
                         </a:solidFill>
@@ -12464,7 +12485,7 @@
                     <m:d>
                       <m:dPr>
                         <m:ctrlPr>
-                          <a:rPr lang="es-ES" b="0" i="1" smtClean="0">
+                          <a:rPr lang="es-ES" i="1">
                             <a:solidFill>
                               <a:schemeClr val="bg1"/>
                             </a:solidFill>
@@ -12474,16 +12495,7 @@
                       </m:dPr>
                       <m:e>
                         <m:r>
-                          <a:rPr lang="es-ES" b="0" i="1" smtClean="0">
-                            <a:solidFill>
-                              <a:schemeClr val="bg1"/>
-                            </a:solidFill>
-                            <a:latin typeface="Cambria Math" panose="02040503050406030204" pitchFamily="18" charset="0"/>
-                          </a:rPr>
-                          <m:t>0,</m:t>
-                        </m:r>
-                        <m:r>
-                          <a:rPr lang="es-ES" b="0" i="1" smtClean="0">
+                          <a:rPr lang="es-ES" i="1">
                             <a:solidFill>
                               <a:schemeClr val="bg1"/>
                             </a:solidFill>
@@ -12491,10 +12503,19 @@
                           </a:rPr>
                           <m:t>𝑢</m:t>
                         </m:r>
+                        <m:r>
+                          <a:rPr lang="es-ES" i="1">
+                            <a:solidFill>
+                              <a:schemeClr val="bg1"/>
+                            </a:solidFill>
+                            <a:latin typeface="Cambria Math" panose="02040503050406030204" pitchFamily="18" charset="0"/>
+                          </a:rPr>
+                          <m:t>,0</m:t>
+                        </m:r>
                       </m:e>
                     </m:d>
                     <m:r>
-                      <a:rPr lang="es-ES" b="0" i="1" smtClean="0">
+                      <a:rPr lang="es-ES" i="1">
                         <a:solidFill>
                           <a:schemeClr val="bg1"/>
                         </a:solidFill>
@@ -12503,7 +12524,7 @@
                       <m:t>=</m:t>
                     </m:r>
                     <m:r>
-                      <a:rPr lang="es-ES" b="0" i="1" smtClean="0">
+                      <a:rPr lang="es-ES" i="1">
                         <a:solidFill>
                           <a:schemeClr val="bg1"/>
                         </a:solidFill>
@@ -12514,7 +12535,7 @@
                     <m:d>
                       <m:dPr>
                         <m:ctrlPr>
-                          <a:rPr lang="es-ES" b="0" i="1" smtClean="0">
+                          <a:rPr lang="es-ES" i="1">
                             <a:solidFill>
                               <a:schemeClr val="bg1"/>
                             </a:solidFill>
@@ -12524,27 +12545,27 @@
                       </m:dPr>
                       <m:e>
                         <m:r>
-                          <a:rPr lang="es-ES" b="0" i="1" smtClean="0">
+                          <a:rPr lang="es-ES" i="1">
                             <a:solidFill>
                               <a:schemeClr val="bg1"/>
                             </a:solidFill>
                             <a:latin typeface="Cambria Math" panose="02040503050406030204" pitchFamily="18" charset="0"/>
                           </a:rPr>
-                          <m:t>𝑢</m:t>
+                          <m:t>0,</m:t>
                         </m:r>
                         <m:r>
-                          <a:rPr lang="es-ES" b="0" i="1" smtClean="0">
+                          <a:rPr lang="es-ES" i="1">
                             <a:solidFill>
                               <a:schemeClr val="bg1"/>
                             </a:solidFill>
                             <a:latin typeface="Cambria Math" panose="02040503050406030204" pitchFamily="18" charset="0"/>
                           </a:rPr>
-                          <m:t>,0</m:t>
+                          <m:t>𝑣</m:t>
                         </m:r>
                       </m:e>
                     </m:d>
                     <m:r>
-                      <a:rPr lang="es-ES" b="0" i="1" smtClean="0">
+                      <a:rPr lang="es-ES" i="1">
                         <a:solidFill>
                           <a:schemeClr val="bg1"/>
                         </a:solidFill>
@@ -12554,7 +12575,7 @@
                     </m:r>
                   </m:oMath>
                 </a14:m>
-                <a:endParaRPr lang="es-ES" b="0" dirty="0">
+                <a:endParaRPr lang="es-ES" dirty="0">
                   <a:solidFill>
                     <a:schemeClr val="bg1"/>
                   </a:solidFill>
@@ -13737,7 +13758,7 @@
             </p:txBody>
           </p:sp>
         </mc:Choice>
-        <mc:Fallback xmlns="">
+        <mc:Fallback>
           <p:sp>
             <p:nvSpPr>
               <p:cNvPr id="5" name="Marcador de contenido 2"/>
@@ -13841,8 +13862,8 @@
           <a:chExt cx="0" cy="0"/>
         </a:xfrm>
       </p:grpSpPr>
-      <mc:AlternateContent xmlns:mc="http://schemas.openxmlformats.org/markup-compatibility/2006" xmlns:a14="http://schemas.microsoft.com/office/drawing/2010/main">
-        <mc:Choice Requires="a14">
+      <mc:AlternateContent xmlns:mc="http://schemas.openxmlformats.org/markup-compatibility/2006">
+        <mc:Choice xmlns:a14="http://schemas.microsoft.com/office/drawing/2010/main" Requires="a14">
           <p:sp>
             <p:nvSpPr>
               <p:cNvPr id="5" name="Marcador de contenido 2"/>
@@ -14169,13 +14190,34 @@
                       <m:rPr>
                         <m:sty m:val="p"/>
                       </m:rPr>
-                      <a:rPr lang="es-ES" b="0" i="0" smtClean="0">
+                      <a:rPr lang="es-ES">
                         <a:solidFill>
                           <a:schemeClr val="bg1"/>
                         </a:solidFill>
                         <a:latin typeface="Cambria Math" panose="02040503050406030204" pitchFamily="18" charset="0"/>
                       </a:rPr>
                       <m:t>u</m:t>
+                    </m:r>
+                    <m:r>
+                      <a:rPr lang="es-ES">
+                        <a:solidFill>
+                          <a:schemeClr val="bg1"/>
+                        </a:solidFill>
+                        <a:latin typeface="Cambria Math" panose="02040503050406030204" pitchFamily="18" charset="0"/>
+                      </a:rPr>
+                      <m:t>,</m:t>
+                    </m:r>
+                    <m:r>
+                      <m:rPr>
+                        <m:sty m:val="p"/>
+                      </m:rPr>
+                      <a:rPr lang="es-ES">
+                        <a:solidFill>
+                          <a:schemeClr val="bg1"/>
+                        </a:solidFill>
+                        <a:latin typeface="Cambria Math" panose="02040503050406030204" pitchFamily="18" charset="0"/>
+                      </a:rPr>
+                      <m:t>v</m:t>
                     </m:r>
                     <m:r>
                       <a:rPr lang="es-ES" b="0" i="1" smtClean="0">
@@ -14221,7 +14263,7 @@
                       <m:t>:</m:t>
                     </m:r>
                     <m:r>
-                      <a:rPr lang="es-ES" b="0" i="1" smtClean="0">
+                      <a:rPr lang="es-ES" i="1">
                         <a:solidFill>
                           <a:schemeClr val="bg1"/>
                         </a:solidFill>
@@ -14232,7 +14274,7 @@
                     <m:d>
                       <m:dPr>
                         <m:ctrlPr>
-                          <a:rPr lang="es-ES" b="0" i="1" smtClean="0">
+                          <a:rPr lang="es-ES" i="1">
                             <a:solidFill>
                               <a:schemeClr val="bg1"/>
                             </a:solidFill>
@@ -14242,22 +14284,22 @@
                       </m:dPr>
                       <m:e>
                         <m:r>
-                          <a:rPr lang="es-ES" b="0" i="1" smtClean="0">
-                            <a:solidFill>
-                              <a:schemeClr val="bg1"/>
-                            </a:solidFill>
-                            <a:latin typeface="Cambria Math" panose="02040503050406030204" pitchFamily="18" charset="0"/>
-                          </a:rPr>
-                          <m:t>0,</m:t>
-                        </m:r>
-                        <m:r>
-                          <a:rPr lang="es-ES" b="0" i="1" smtClean="0">
+                          <a:rPr lang="es-ES" i="1">
                             <a:solidFill>
                               <a:schemeClr val="bg1"/>
                             </a:solidFill>
                             <a:latin typeface="Cambria Math" panose="02040503050406030204" pitchFamily="18" charset="0"/>
                           </a:rPr>
                           <m:t>𝑢</m:t>
+                        </m:r>
+                        <m:r>
+                          <a:rPr lang="es-ES" i="1">
+                            <a:solidFill>
+                              <a:schemeClr val="bg1"/>
+                            </a:solidFill>
+                            <a:latin typeface="Cambria Math" panose="02040503050406030204" pitchFamily="18" charset="0"/>
+                          </a:rPr>
+                          <m:t>,0</m:t>
                         </m:r>
                       </m:e>
                     </m:d>
@@ -14298,7 +14340,7 @@
                             </a:solidFill>
                             <a:latin typeface="Cambria Math" panose="02040503050406030204" pitchFamily="18" charset="0"/>
                           </a:rPr>
-                          <m:t>𝑢</m:t>
+                          <m:t>0,</m:t>
                         </m:r>
                         <m:r>
                           <a:rPr lang="es-ES" b="0" i="1" smtClean="0">
@@ -14307,7 +14349,7 @@
                             </a:solidFill>
                             <a:latin typeface="Cambria Math" panose="02040503050406030204" pitchFamily="18" charset="0"/>
                           </a:rPr>
-                          <m:t>,0</m:t>
+                          <m:t>𝑣</m:t>
                         </m:r>
                       </m:e>
                     </m:d>
@@ -14318,7 +14360,16 @@
                         </a:solidFill>
                         <a:latin typeface="Cambria Math" panose="02040503050406030204" pitchFamily="18" charset="0"/>
                       </a:rPr>
-                      <m:t>=0</m:t>
+                      <m:t>=</m:t>
+                    </m:r>
+                    <m:r>
+                      <a:rPr lang="es-ES" b="0" i="1" smtClean="0">
+                        <a:solidFill>
+                          <a:schemeClr val="bg1"/>
+                        </a:solidFill>
+                        <a:latin typeface="Cambria Math" panose="02040503050406030204" pitchFamily="18" charset="0"/>
+                      </a:rPr>
+                      <m:t>0</m:t>
                     </m:r>
                   </m:oMath>
                 </a14:m>
@@ -15505,7 +15556,7 @@
             </p:txBody>
           </p:sp>
         </mc:Choice>
-        <mc:Fallback xmlns="">
+        <mc:Fallback>
           <p:sp>
             <p:nvSpPr>
               <p:cNvPr id="5" name="Marcador de contenido 2"/>
@@ -21136,8 +21187,8 @@
           </a:p>
         </p:txBody>
       </p:sp>
-      <mc:AlternateContent xmlns:mc="http://schemas.openxmlformats.org/markup-compatibility/2006">
-        <mc:Choice xmlns:a14="http://schemas.microsoft.com/office/drawing/2010/main" Requires="a14">
+      <mc:AlternateContent xmlns:mc="http://schemas.openxmlformats.org/markup-compatibility/2006" xmlns:a14="http://schemas.microsoft.com/office/drawing/2010/main">
+        <mc:Choice Requires="a14">
           <p:sp>
             <p:nvSpPr>
               <p:cNvPr id="3" name="Marcador de contenido 2">
@@ -22251,7 +22302,7 @@
             </p:txBody>
           </p:sp>
         </mc:Choice>
-        <mc:Fallback>
+        <mc:Fallback xmlns="">
           <p:sp>
             <p:nvSpPr>
               <p:cNvPr id="3" name="Marcador de contenido 2">
